--- a/data.pptx
+++ b/data.pptx
@@ -6,6 +6,7 @@
   </p:sldMasterIdLst>
   <p:sldIdLst>
     <p:sldId id="256" r:id="rId2"/>
+    <p:sldId id="257" r:id="rId3"/>
   </p:sldIdLst>
   <p:sldSz cx="12192000" cy="6858000"/>
   <p:notesSz cx="6858000" cy="9144000"/>
@@ -3369,7 +3370,7 @@
           <a:lstStyle/>
           <a:p>
             <a:r>
-              <a:rPr lang="en-US" dirty="0"/>
+              <a:rPr lang="en-US"/>
               <a:t>${Sheet1.A1}</a:t>
             </a:r>
             <a:endParaRPr lang="en-ID" dirty="0"/>
@@ -3405,6 +3406,115 @@
     <p:extLst>
       <p:ext uri="{BB962C8B-B14F-4D97-AF65-F5344CB8AC3E}">
         <p14:creationId xmlns:p14="http://schemas.microsoft.com/office/powerpoint/2010/main" val="2522761433"/>
+      </p:ext>
+    </p:extLst>
+  </p:cSld>
+  <p:clrMapOvr>
+    <a:masterClrMapping/>
+  </p:clrMapOvr>
+</p:sld>
+</file>
+
+<file path=ppt/slides/slide2.xml><?xml version="1.0" encoding="utf-8"?>
+<p:sld xmlns:a="http://schemas.openxmlformats.org/drawingml/2006/main" xmlns:r="http://schemas.openxmlformats.org/officeDocument/2006/relationships" xmlns:p="http://schemas.openxmlformats.org/presentationml/2006/main">
+  <p:cSld>
+    <p:spTree>
+      <p:nvGrpSpPr>
+        <p:cNvPr id="1" name=""/>
+        <p:cNvGrpSpPr/>
+        <p:nvPr/>
+      </p:nvGrpSpPr>
+      <p:grpSpPr>
+        <a:xfrm>
+          <a:off x="0" y="0"/>
+          <a:ext cx="0" cy="0"/>
+          <a:chOff x="0" y="0"/>
+          <a:chExt cx="0" cy="0"/>
+        </a:xfrm>
+      </p:grpSpPr>
+      <p:sp>
+        <p:nvSpPr>
+          <p:cNvPr id="7" name="Rectangle 6">
+            <a:extLst>
+              <a:ext uri="{FF2B5EF4-FFF2-40B4-BE49-F238E27FC236}">
+                <a16:creationId xmlns:a16="http://schemas.microsoft.com/office/drawing/2014/main" id="{5E5437D0-D134-4FEA-8144-D20C485AA2A9}"/>
+              </a:ext>
+            </a:extLst>
+          </p:cNvPr>
+          <p:cNvSpPr/>
+          <p:nvPr/>
+        </p:nvSpPr>
+        <p:spPr>
+          <a:xfrm>
+            <a:off x="838200" y="1825624"/>
+            <a:ext cx="2268000" cy="2660400"/>
+          </a:xfrm>
+          <a:prstGeom prst="rect">
+            <a:avLst/>
+          </a:prstGeom>
+        </p:spPr>
+        <p:style>
+          <a:lnRef idx="2">
+            <a:schemeClr val="accent1">
+              <a:shade val="50000"/>
+            </a:schemeClr>
+          </a:lnRef>
+          <a:fillRef idx="1">
+            <a:schemeClr val="accent1"/>
+          </a:fillRef>
+          <a:effectRef idx="0">
+            <a:schemeClr val="accent1"/>
+          </a:effectRef>
+          <a:fontRef idx="minor">
+            <a:schemeClr val="lt1"/>
+          </a:fontRef>
+        </p:style>
+        <p:txBody>
+          <a:bodyPr rtlCol="0" anchor="ctr"/>
+          <a:lstStyle/>
+          <a:p>
+            <a:pPr algn="ctr"/>
+            <a:r>
+              <a:rPr lang="en-US" sz="2400" dirty="0"/>
+              <a:t>${Sheet2.A1:B6}</a:t>
+            </a:r>
+            <a:endParaRPr lang="en-ID" sz="2400" dirty="0"/>
+          </a:p>
+        </p:txBody>
+      </p:sp>
+      <p:sp>
+        <p:nvSpPr>
+          <p:cNvPr id="2" name="Title 1">
+            <a:extLst>
+              <a:ext uri="{FF2B5EF4-FFF2-40B4-BE49-F238E27FC236}">
+                <a16:creationId xmlns:a16="http://schemas.microsoft.com/office/drawing/2014/main" id="{726F6AB1-3337-410F-AC52-F49EC6973019}"/>
+              </a:ext>
+            </a:extLst>
+          </p:cNvPr>
+          <p:cNvSpPr>
+            <a:spLocks noGrp="1"/>
+          </p:cNvSpPr>
+          <p:nvPr>
+            <p:ph type="title"/>
+          </p:nvPr>
+        </p:nvSpPr>
+        <p:spPr/>
+        <p:txBody>
+          <a:bodyPr/>
+          <a:lstStyle/>
+          <a:p>
+            <a:r>
+              <a:rPr lang="en-US" dirty="0"/>
+              <a:t>Countries</a:t>
+            </a:r>
+            <a:endParaRPr lang="en-ID" dirty="0"/>
+          </a:p>
+        </p:txBody>
+      </p:sp>
+    </p:spTree>
+    <p:extLst>
+      <p:ext uri="{BB962C8B-B14F-4D97-AF65-F5344CB8AC3E}">
+        <p14:creationId xmlns:p14="http://schemas.microsoft.com/office/powerpoint/2010/main" val="2710564105"/>
       </p:ext>
     </p:extLst>
   </p:cSld>
